--- a/Linux性能优化实战/03-文件系统和磁盘IO性能优化.pptx
+++ b/Linux性能优化实战/03-文件系统和磁盘IO性能优化.pptx
@@ -305,7 +305,7 @@
           <a:p>
             <a:fld id="{E396512D-F96B-4538-B91A-F7EB57A489A0}" type="datetimeFigureOut">
               <a:rPr lang="zh-CN" altLang="en-US" smtClean="0"/>
-              <a:t>2019/12/19</a:t>
+              <a:t>2020/4/7</a:t>
             </a:fld>
             <a:endParaRPr lang="zh-CN" altLang="en-US"/>
           </a:p>
@@ -580,7 +580,7 @@
           <a:p>
             <a:fld id="{E396512D-F96B-4538-B91A-F7EB57A489A0}" type="datetimeFigureOut">
               <a:rPr lang="zh-CN" altLang="en-US" smtClean="0"/>
-              <a:t>2019/12/19</a:t>
+              <a:t>2020/4/7</a:t>
             </a:fld>
             <a:endParaRPr lang="zh-CN" altLang="en-US"/>
           </a:p>
@@ -774,7 +774,7 @@
           <a:p>
             <a:fld id="{E396512D-F96B-4538-B91A-F7EB57A489A0}" type="datetimeFigureOut">
               <a:rPr lang="zh-CN" altLang="en-US" smtClean="0"/>
-              <a:t>2019/12/19</a:t>
+              <a:t>2020/4/7</a:t>
             </a:fld>
             <a:endParaRPr lang="zh-CN" altLang="en-US"/>
           </a:p>
@@ -1045,7 +1045,7 @@
           <a:p>
             <a:fld id="{E396512D-F96B-4538-B91A-F7EB57A489A0}" type="datetimeFigureOut">
               <a:rPr lang="zh-CN" altLang="en-US" smtClean="0"/>
-              <a:t>2019/12/19</a:t>
+              <a:t>2020/4/7</a:t>
             </a:fld>
             <a:endParaRPr lang="zh-CN" altLang="en-US"/>
           </a:p>
@@ -1372,7 +1372,7 @@
           <a:p>
             <a:fld id="{E396512D-F96B-4538-B91A-F7EB57A489A0}" type="datetimeFigureOut">
               <a:rPr lang="zh-CN" altLang="en-US" smtClean="0"/>
-              <a:t>2019/12/19</a:t>
+              <a:t>2020/4/7</a:t>
             </a:fld>
             <a:endParaRPr lang="zh-CN" altLang="en-US"/>
           </a:p>
@@ -1991,7 +1991,7 @@
           <a:p>
             <a:fld id="{E396512D-F96B-4538-B91A-F7EB57A489A0}" type="datetimeFigureOut">
               <a:rPr lang="zh-CN" altLang="en-US" smtClean="0"/>
-              <a:t>2019/12/19</a:t>
+              <a:t>2020/4/7</a:t>
             </a:fld>
             <a:endParaRPr lang="zh-CN" altLang="en-US"/>
           </a:p>
@@ -2838,7 +2838,7 @@
           <a:p>
             <a:fld id="{E396512D-F96B-4538-B91A-F7EB57A489A0}" type="datetimeFigureOut">
               <a:rPr lang="zh-CN" altLang="en-US" smtClean="0"/>
-              <a:t>2019/12/19</a:t>
+              <a:t>2020/4/7</a:t>
             </a:fld>
             <a:endParaRPr lang="zh-CN" altLang="en-US"/>
           </a:p>
@@ -3008,7 +3008,7 @@
           <a:p>
             <a:fld id="{E396512D-F96B-4538-B91A-F7EB57A489A0}" type="datetimeFigureOut">
               <a:rPr lang="zh-CN" altLang="en-US" smtClean="0"/>
-              <a:t>2019/12/19</a:t>
+              <a:t>2020/4/7</a:t>
             </a:fld>
             <a:endParaRPr lang="zh-CN" altLang="en-US"/>
           </a:p>
@@ -3188,7 +3188,7 @@
           <a:p>
             <a:fld id="{E396512D-F96B-4538-B91A-F7EB57A489A0}" type="datetimeFigureOut">
               <a:rPr lang="zh-CN" altLang="en-US" smtClean="0"/>
-              <a:t>2019/12/19</a:t>
+              <a:t>2020/4/7</a:t>
             </a:fld>
             <a:endParaRPr lang="zh-CN" altLang="en-US"/>
           </a:p>
@@ -3358,7 +3358,7 @@
           <a:p>
             <a:fld id="{E396512D-F96B-4538-B91A-F7EB57A489A0}" type="datetimeFigureOut">
               <a:rPr lang="zh-CN" altLang="en-US" smtClean="0"/>
-              <a:t>2019/12/19</a:t>
+              <a:t>2020/4/7</a:t>
             </a:fld>
             <a:endParaRPr lang="zh-CN" altLang="en-US"/>
           </a:p>
@@ -3605,7 +3605,7 @@
           <a:p>
             <a:fld id="{E396512D-F96B-4538-B91A-F7EB57A489A0}" type="datetimeFigureOut">
               <a:rPr lang="zh-CN" altLang="en-US" smtClean="0"/>
-              <a:t>2019/12/19</a:t>
+              <a:t>2020/4/7</a:t>
             </a:fld>
             <a:endParaRPr lang="zh-CN" altLang="en-US"/>
           </a:p>
@@ -3897,7 +3897,7 @@
           <a:p>
             <a:fld id="{E396512D-F96B-4538-B91A-F7EB57A489A0}" type="datetimeFigureOut">
               <a:rPr lang="zh-CN" altLang="en-US" smtClean="0"/>
-              <a:t>2019/12/19</a:t>
+              <a:t>2020/4/7</a:t>
             </a:fld>
             <a:endParaRPr lang="zh-CN" altLang="en-US"/>
           </a:p>
@@ -4341,7 +4341,7 @@
           <a:p>
             <a:fld id="{E396512D-F96B-4538-B91A-F7EB57A489A0}" type="datetimeFigureOut">
               <a:rPr lang="zh-CN" altLang="en-US" smtClean="0"/>
-              <a:t>2019/12/19</a:t>
+              <a:t>2020/4/7</a:t>
             </a:fld>
             <a:endParaRPr lang="zh-CN" altLang="en-US"/>
           </a:p>
@@ -4459,7 +4459,7 @@
           <a:p>
             <a:fld id="{E396512D-F96B-4538-B91A-F7EB57A489A0}" type="datetimeFigureOut">
               <a:rPr lang="zh-CN" altLang="en-US" smtClean="0"/>
-              <a:t>2019/12/19</a:t>
+              <a:t>2020/4/7</a:t>
             </a:fld>
             <a:endParaRPr lang="zh-CN" altLang="en-US"/>
           </a:p>
@@ -4554,7 +4554,7 @@
           <a:p>
             <a:fld id="{E396512D-F96B-4538-B91A-F7EB57A489A0}" type="datetimeFigureOut">
               <a:rPr lang="zh-CN" altLang="en-US" smtClean="0"/>
-              <a:t>2019/12/19</a:t>
+              <a:t>2020/4/7</a:t>
             </a:fld>
             <a:endParaRPr lang="zh-CN" altLang="en-US"/>
           </a:p>
@@ -4833,7 +4833,7 @@
           <a:p>
             <a:fld id="{E396512D-F96B-4538-B91A-F7EB57A489A0}" type="datetimeFigureOut">
               <a:rPr lang="zh-CN" altLang="en-US" smtClean="0"/>
-              <a:t>2019/12/19</a:t>
+              <a:t>2020/4/7</a:t>
             </a:fld>
             <a:endParaRPr lang="zh-CN" altLang="en-US"/>
           </a:p>
@@ -5108,7 +5108,7 @@
           <a:p>
             <a:fld id="{E396512D-F96B-4538-B91A-F7EB57A489A0}" type="datetimeFigureOut">
               <a:rPr lang="zh-CN" altLang="en-US" smtClean="0"/>
-              <a:t>2019/12/19</a:t>
+              <a:t>2020/4/7</a:t>
             </a:fld>
             <a:endParaRPr lang="zh-CN" altLang="en-US"/>
           </a:p>
@@ -5531,7 +5531,7 @@
           <a:p>
             <a:fld id="{E396512D-F96B-4538-B91A-F7EB57A489A0}" type="datetimeFigureOut">
               <a:rPr lang="zh-CN" altLang="en-US" smtClean="0"/>
-              <a:t>2019/12/19</a:t>
+              <a:t>2020/4/7</a:t>
             </a:fld>
             <a:endParaRPr lang="zh-CN" altLang="en-US"/>
           </a:p>
@@ -6168,6 +6168,49 @@
       </p:grpSpPr>
       <p:sp>
         <p:nvSpPr>
+          <p:cNvPr id="89" name="矩形 88"/>
+          <p:cNvSpPr/>
+          <p:nvPr/>
+        </p:nvSpPr>
+        <p:spPr>
+          <a:xfrm>
+            <a:off x="3267134" y="1481672"/>
+            <a:ext cx="3806724" cy="5166777"/>
+          </a:xfrm>
+          <a:prstGeom prst="rect">
+            <a:avLst/>
+          </a:prstGeom>
+        </p:spPr>
+        <p:style>
+          <a:lnRef idx="2">
+            <a:schemeClr val="accent5">
+              <a:shade val="50000"/>
+            </a:schemeClr>
+          </a:lnRef>
+          <a:fillRef idx="1">
+            <a:schemeClr val="accent5"/>
+          </a:fillRef>
+          <a:effectRef idx="0">
+            <a:schemeClr val="accent5"/>
+          </a:effectRef>
+          <a:fontRef idx="minor">
+            <a:schemeClr val="lt1"/>
+          </a:fontRef>
+        </p:style>
+        <p:txBody>
+          <a:bodyPr rtlCol="0" anchor="ctr"/>
+          <a:lstStyle/>
+          <a:p>
+            <a:pPr algn="ctr"/>
+            <a:endParaRPr lang="en-US" altLang="zh-CN" sz="700" dirty="0" smtClean="0">
+              <a:latin typeface="微软雅黑" panose="020B0503020204020204" pitchFamily="34" charset="-122"/>
+              <a:ea typeface="微软雅黑" panose="020B0503020204020204" pitchFamily="34" charset="-122"/>
+            </a:endParaRPr>
+          </a:p>
+        </p:txBody>
+      </p:sp>
+      <p:sp>
+        <p:nvSpPr>
           <p:cNvPr id="23" name="矩形 22"/>
           <p:cNvSpPr/>
           <p:nvPr/>
@@ -6452,6 +6495,13 @@
           </a:p>
           <a:p>
             <a:pPr algn="ctr"/>
+            <a:r>
+              <a:rPr lang="en-US" altLang="zh-CN" sz="1200" dirty="0" err="1" smtClean="0">
+                <a:latin typeface="微软雅黑" panose="020B0503020204020204" pitchFamily="34" charset="-122"/>
+                <a:ea typeface="微软雅黑" panose="020B0503020204020204" pitchFamily="34" charset="-122"/>
+              </a:rPr>
+              <a:t>dentry</a:t>
+            </a:r>
             <a:endParaRPr lang="en-US" altLang="zh-CN" sz="1200" dirty="0" smtClean="0">
               <a:latin typeface="微软雅黑" panose="020B0503020204020204" pitchFamily="34" charset="-122"/>
               <a:ea typeface="微软雅黑" panose="020B0503020204020204" pitchFamily="34" charset="-122"/>
@@ -6600,6 +6650,13 @@
           </a:p>
           <a:p>
             <a:pPr algn="ctr"/>
+            <a:r>
+              <a:rPr lang="en-US" altLang="zh-CN" sz="1200" dirty="0" err="1" smtClean="0">
+                <a:latin typeface="微软雅黑" panose="020B0503020204020204" pitchFamily="34" charset="-122"/>
+                <a:ea typeface="微软雅黑" panose="020B0503020204020204" pitchFamily="34" charset="-122"/>
+              </a:rPr>
+              <a:t>dentry</a:t>
+            </a:r>
             <a:endParaRPr lang="en-US" altLang="zh-CN" sz="1200" dirty="0" smtClean="0">
               <a:latin typeface="微软雅黑" panose="020B0503020204020204" pitchFamily="34" charset="-122"/>
               <a:ea typeface="微软雅黑" panose="020B0503020204020204" pitchFamily="34" charset="-122"/>
@@ -6748,6 +6805,13 @@
           </a:p>
           <a:p>
             <a:pPr algn="ctr"/>
+            <a:r>
+              <a:rPr lang="en-US" altLang="zh-CN" sz="1200" dirty="0" err="1" smtClean="0">
+                <a:latin typeface="微软雅黑" panose="020B0503020204020204" pitchFamily="34" charset="-122"/>
+                <a:ea typeface="微软雅黑" panose="020B0503020204020204" pitchFamily="34" charset="-122"/>
+              </a:rPr>
+              <a:t>dentry</a:t>
+            </a:r>
             <a:endParaRPr lang="en-US" altLang="zh-CN" sz="1200" dirty="0" smtClean="0">
               <a:latin typeface="微软雅黑" panose="020B0503020204020204" pitchFamily="34" charset="-122"/>
               <a:ea typeface="微软雅黑" panose="020B0503020204020204" pitchFamily="34" charset="-122"/>
@@ -6954,6 +7018,16 @@
               </a:rPr>
               <a:t>1</a:t>
             </a:r>
+          </a:p>
+          <a:p>
+            <a:pPr algn="ctr"/>
+            <a:r>
+              <a:rPr lang="en-US" altLang="zh-CN" sz="900" dirty="0" err="1" smtClean="0">
+                <a:latin typeface="微软雅黑" panose="020B0503020204020204" pitchFamily="34" charset="-122"/>
+                <a:ea typeface="微软雅黑" panose="020B0503020204020204" pitchFamily="34" charset="-122"/>
+              </a:rPr>
+              <a:t>inode</a:t>
+            </a:r>
             <a:endParaRPr lang="en-US" altLang="zh-CN" sz="300" dirty="0" smtClean="0">
               <a:latin typeface="微软雅黑" panose="020B0503020204020204" pitchFamily="34" charset="-122"/>
               <a:ea typeface="微软雅黑" panose="020B0503020204020204" pitchFamily="34" charset="-122"/>
@@ -7008,11 +7082,21 @@
               <a:t>索引节点</a:t>
             </a:r>
             <a:r>
-              <a:rPr lang="en-US" altLang="zh-CN" sz="900" dirty="0">
+              <a:rPr lang="en-US" altLang="zh-CN" sz="900" dirty="0" smtClean="0">
                 <a:latin typeface="微软雅黑" panose="020B0503020204020204" pitchFamily="34" charset="-122"/>
                 <a:ea typeface="微软雅黑" panose="020B0503020204020204" pitchFamily="34" charset="-122"/>
               </a:rPr>
               <a:t>2</a:t>
+            </a:r>
+          </a:p>
+          <a:p>
+            <a:pPr algn="ctr"/>
+            <a:r>
+              <a:rPr lang="en-US" altLang="zh-CN" sz="900" dirty="0" err="1" smtClean="0">
+                <a:latin typeface="微软雅黑" panose="020B0503020204020204" pitchFamily="34" charset="-122"/>
+                <a:ea typeface="微软雅黑" panose="020B0503020204020204" pitchFamily="34" charset="-122"/>
+              </a:rPr>
+              <a:t>inode</a:t>
             </a:r>
             <a:endParaRPr lang="en-US" altLang="zh-CN" sz="300" dirty="0" smtClean="0">
               <a:latin typeface="微软雅黑" panose="020B0503020204020204" pitchFamily="34" charset="-122"/>
@@ -7073,6 +7157,16 @@
                 <a:ea typeface="微软雅黑" panose="020B0503020204020204" pitchFamily="34" charset="-122"/>
               </a:rPr>
               <a:t>3</a:t>
+            </a:r>
+          </a:p>
+          <a:p>
+            <a:pPr algn="ctr"/>
+            <a:r>
+              <a:rPr lang="en-US" altLang="zh-CN" sz="900" dirty="0" err="1" smtClean="0">
+                <a:latin typeface="微软雅黑" panose="020B0503020204020204" pitchFamily="34" charset="-122"/>
+                <a:ea typeface="微软雅黑" panose="020B0503020204020204" pitchFamily="34" charset="-122"/>
+              </a:rPr>
+              <a:t>inode</a:t>
             </a:r>
             <a:endParaRPr lang="en-US" altLang="zh-CN" sz="300" dirty="0" smtClean="0">
               <a:latin typeface="微软雅黑" panose="020B0503020204020204" pitchFamily="34" charset="-122"/>
@@ -7836,9 +7930,23 @@
                 <a:latin typeface="微软雅黑" panose="020B0503020204020204" pitchFamily="34" charset="-122"/>
                 <a:ea typeface="微软雅黑" panose="020B0503020204020204" pitchFamily="34" charset="-122"/>
               </a:rPr>
-              <a:t>页缓存</a:t>
-            </a:r>
-            <a:endParaRPr lang="zh-CN" altLang="en-US" sz="1400" dirty="0">
+              <a:t>页</a:t>
+            </a:r>
+            <a:r>
+              <a:rPr lang="zh-CN" altLang="en-US" sz="1400" dirty="0" smtClean="0">
+                <a:latin typeface="微软雅黑" panose="020B0503020204020204" pitchFamily="34" charset="-122"/>
+                <a:ea typeface="微软雅黑" panose="020B0503020204020204" pitchFamily="34" charset="-122"/>
+              </a:rPr>
+              <a:t>缓存</a:t>
+            </a:r>
+            <a:r>
+              <a:rPr lang="en-US" altLang="zh-CN" sz="800" dirty="0" smtClean="0">
+                <a:latin typeface="微软雅黑" panose="020B0503020204020204" pitchFamily="34" charset="-122"/>
+                <a:ea typeface="微软雅黑" panose="020B0503020204020204" pitchFamily="34" charset="-122"/>
+              </a:rPr>
+              <a:t>cached</a:t>
+            </a:r>
+            <a:endParaRPr lang="zh-CN" altLang="en-US" sz="800" dirty="0">
               <a:latin typeface="微软雅黑" panose="020B0503020204020204" pitchFamily="34" charset="-122"/>
               <a:ea typeface="微软雅黑" panose="020B0503020204020204" pitchFamily="34" charset="-122"/>
             </a:endParaRPr>
@@ -7847,104 +7955,19 @@
       </p:sp>
       <p:sp>
         <p:nvSpPr>
-          <p:cNvPr id="89" name="矩形 88"/>
+          <p:cNvPr id="84" name="矩形 83"/>
           <p:cNvSpPr/>
           <p:nvPr/>
         </p:nvSpPr>
         <p:spPr>
           <a:xfrm>
-            <a:off x="4077133" y="1495425"/>
-            <a:ext cx="866274" cy="5124094"/>
+            <a:off x="5172033" y="4724972"/>
+            <a:ext cx="1901825" cy="461665"/>
           </a:xfrm>
           <a:prstGeom prst="rect">
             <a:avLst/>
           </a:prstGeom>
         </p:spPr>
-        <p:style>
-          <a:lnRef idx="2">
-            <a:schemeClr val="accent1">
-              <a:shade val="50000"/>
-            </a:schemeClr>
-          </a:lnRef>
-          <a:fillRef idx="1">
-            <a:schemeClr val="accent1"/>
-          </a:fillRef>
-          <a:effectRef idx="0">
-            <a:schemeClr val="accent1"/>
-          </a:effectRef>
-          <a:fontRef idx="minor">
-            <a:schemeClr val="lt1"/>
-          </a:fontRef>
-        </p:style>
-        <p:txBody>
-          <a:bodyPr rtlCol="0" anchor="ctr"/>
-          <a:lstStyle/>
-          <a:p>
-            <a:pPr algn="ctr"/>
-            <a:r>
-              <a:rPr lang="zh-CN" altLang="en-US" sz="1200" dirty="0" smtClean="0">
-                <a:latin typeface="微软雅黑" panose="020B0503020204020204" pitchFamily="34" charset="-122"/>
-                <a:ea typeface="微软雅黑" panose="020B0503020204020204" pitchFamily="34" charset="-122"/>
-              </a:rPr>
-              <a:t>虚拟文件系统（</a:t>
-            </a:r>
-            <a:r>
-              <a:rPr lang="en-US" altLang="zh-CN" sz="1200" dirty="0" smtClean="0">
-                <a:latin typeface="微软雅黑" panose="020B0503020204020204" pitchFamily="34" charset="-122"/>
-                <a:ea typeface="微软雅黑" panose="020B0503020204020204" pitchFamily="34" charset="-122"/>
-              </a:rPr>
-              <a:t>VFS</a:t>
-            </a:r>
-            <a:r>
-              <a:rPr lang="zh-CN" altLang="en-US" sz="1200" dirty="0" smtClean="0">
-                <a:latin typeface="微软雅黑" panose="020B0503020204020204" pitchFamily="34" charset="-122"/>
-                <a:ea typeface="微软雅黑" panose="020B0503020204020204" pitchFamily="34" charset="-122"/>
-              </a:rPr>
-              <a:t>）</a:t>
-            </a:r>
-            <a:endParaRPr lang="en-US" altLang="zh-CN" sz="1200" dirty="0" smtClean="0">
-              <a:latin typeface="微软雅黑" panose="020B0503020204020204" pitchFamily="34" charset="-122"/>
-              <a:ea typeface="微软雅黑" panose="020B0503020204020204" pitchFamily="34" charset="-122"/>
-            </a:endParaRPr>
-          </a:p>
-          <a:p>
-            <a:pPr algn="ctr"/>
-            <a:endParaRPr lang="en-US" altLang="zh-CN" sz="1200" dirty="0" smtClean="0">
-              <a:latin typeface="微软雅黑" panose="020B0503020204020204" pitchFamily="34" charset="-122"/>
-              <a:ea typeface="微软雅黑" panose="020B0503020204020204" pitchFamily="34" charset="-122"/>
-            </a:endParaRPr>
-          </a:p>
-          <a:p>
-            <a:pPr algn="ctr"/>
-            <a:r>
-              <a:rPr lang="zh-CN" altLang="en-US" sz="700" dirty="0" smtClean="0">
-                <a:latin typeface="微软雅黑" panose="020B0503020204020204" pitchFamily="34" charset="-122"/>
-                <a:ea typeface="微软雅黑" panose="020B0503020204020204" pitchFamily="34" charset="-122"/>
-              </a:rPr>
-              <a:t>为应用程序提供统一的接口，屏蔽各种文件系统的细节和不同。</a:t>
-            </a:r>
-            <a:endParaRPr lang="en-US" altLang="zh-CN" sz="700" dirty="0" smtClean="0">
-              <a:latin typeface="微软雅黑" panose="020B0503020204020204" pitchFamily="34" charset="-122"/>
-              <a:ea typeface="微软雅黑" panose="020B0503020204020204" pitchFamily="34" charset="-122"/>
-            </a:endParaRPr>
-          </a:p>
-        </p:txBody>
-      </p:sp>
-      <p:sp>
-        <p:nvSpPr>
-          <p:cNvPr id="84" name="矩形 83"/>
-          <p:cNvSpPr/>
-          <p:nvPr/>
-        </p:nvSpPr>
-        <p:spPr>
-          <a:xfrm>
-            <a:off x="5172033" y="4724972"/>
-            <a:ext cx="1901825" cy="307777"/>
-          </a:xfrm>
-          <a:prstGeom prst="rect">
-            <a:avLst/>
-          </a:prstGeom>
-        </p:spPr>
         <p:txBody>
           <a:bodyPr wrap="square">
             <a:spAutoFit/>
@@ -7961,7 +7984,66 @@
               </a:rPr>
               <a:t>基于磁盘的文件系统</a:t>
             </a:r>
-            <a:endParaRPr lang="zh-CN" altLang="en-US" sz="1400" dirty="0">
+            <a:endParaRPr lang="en-US" altLang="zh-CN" sz="1400" dirty="0" smtClean="0">
+              <a:solidFill>
+                <a:srgbClr val="FFFF00"/>
+              </a:solidFill>
+              <a:latin typeface="微软雅黑" panose="020B0503020204020204" pitchFamily="34" charset="-122"/>
+              <a:ea typeface="微软雅黑" panose="020B0503020204020204" pitchFamily="34" charset="-122"/>
+            </a:endParaRPr>
+          </a:p>
+          <a:p>
+            <a:r>
+              <a:rPr lang="en-US" altLang="zh-CN" sz="1000" dirty="0" err="1">
+                <a:solidFill>
+                  <a:srgbClr val="FFFF00"/>
+                </a:solidFill>
+                <a:latin typeface="微软雅黑" panose="020B0503020204020204" pitchFamily="34" charset="-122"/>
+                <a:ea typeface="微软雅黑" panose="020B0503020204020204" pitchFamily="34" charset="-122"/>
+              </a:rPr>
+              <a:t>Ext4</a:t>
+            </a:r>
+            <a:r>
+              <a:rPr lang="zh-CN" altLang="en-US" sz="1000" dirty="0">
+                <a:solidFill>
+                  <a:srgbClr val="FFFF00"/>
+                </a:solidFill>
+                <a:latin typeface="微软雅黑" panose="020B0503020204020204" pitchFamily="34" charset="-122"/>
+                <a:ea typeface="微软雅黑" panose="020B0503020204020204" pitchFamily="34" charset="-122"/>
+              </a:rPr>
+              <a:t>、</a:t>
+            </a:r>
+            <a:r>
+              <a:rPr lang="en-US" altLang="zh-CN" sz="1000" dirty="0" err="1">
+                <a:solidFill>
+                  <a:srgbClr val="FFFF00"/>
+                </a:solidFill>
+                <a:latin typeface="微软雅黑" panose="020B0503020204020204" pitchFamily="34" charset="-122"/>
+                <a:ea typeface="微软雅黑" panose="020B0503020204020204" pitchFamily="34" charset="-122"/>
+              </a:rPr>
+              <a:t>XFS</a:t>
+            </a:r>
+            <a:r>
+              <a:rPr lang="zh-CN" altLang="en-US" sz="1000" dirty="0">
+                <a:solidFill>
+                  <a:srgbClr val="FFFF00"/>
+                </a:solidFill>
+                <a:latin typeface="微软雅黑" panose="020B0503020204020204" pitchFamily="34" charset="-122"/>
+                <a:ea typeface="微软雅黑" panose="020B0503020204020204" pitchFamily="34" charset="-122"/>
+              </a:rPr>
+              <a:t>、</a:t>
+            </a:r>
+            <a:r>
+              <a:rPr lang="en-US" altLang="zh-CN" sz="1000" dirty="0" err="1">
+                <a:solidFill>
+                  <a:srgbClr val="FFFF00"/>
+                </a:solidFill>
+                <a:latin typeface="微软雅黑" panose="020B0503020204020204" pitchFamily="34" charset="-122"/>
+                <a:ea typeface="微软雅黑" panose="020B0503020204020204" pitchFamily="34" charset="-122"/>
+              </a:rPr>
+              <a:t>OverlayFS</a:t>
+            </a:r>
+            <a:endParaRPr lang="zh-CN" altLang="en-US" sz="1000" dirty="0">
               <a:solidFill>
                 <a:srgbClr val="FFFF00"/>
               </a:solidFill>
@@ -8256,56 +8338,6 @@
       </p:sp>
       <p:sp>
         <p:nvSpPr>
-          <p:cNvPr id="99" name="矩形 98"/>
-          <p:cNvSpPr/>
-          <p:nvPr/>
-        </p:nvSpPr>
-        <p:spPr>
-          <a:xfrm>
-            <a:off x="3098311" y="1481672"/>
-            <a:ext cx="866274" cy="5124094"/>
-          </a:xfrm>
-          <a:prstGeom prst="rect">
-            <a:avLst/>
-          </a:prstGeom>
-        </p:spPr>
-        <p:style>
-          <a:lnRef idx="2">
-            <a:schemeClr val="accent1">
-              <a:shade val="50000"/>
-            </a:schemeClr>
-          </a:lnRef>
-          <a:fillRef idx="1">
-            <a:schemeClr val="accent1"/>
-          </a:fillRef>
-          <a:effectRef idx="0">
-            <a:schemeClr val="accent1"/>
-          </a:effectRef>
-          <a:fontRef idx="minor">
-            <a:schemeClr val="lt1"/>
-          </a:fontRef>
-        </p:style>
-        <p:txBody>
-          <a:bodyPr rtlCol="0" anchor="ctr"/>
-          <a:lstStyle/>
-          <a:p>
-            <a:pPr algn="ctr"/>
-            <a:r>
-              <a:rPr lang="zh-CN" altLang="en-US" sz="1200" dirty="0" smtClean="0">
-                <a:latin typeface="微软雅黑" panose="020B0503020204020204" pitchFamily="34" charset="-122"/>
-                <a:ea typeface="微软雅黑" panose="020B0503020204020204" pitchFamily="34" charset="-122"/>
-              </a:rPr>
-              <a:t>系统调用</a:t>
-            </a:r>
-            <a:endParaRPr lang="en-US" altLang="zh-CN" sz="1200" dirty="0" smtClean="0">
-              <a:latin typeface="微软雅黑" panose="020B0503020204020204" pitchFamily="34" charset="-122"/>
-              <a:ea typeface="微软雅黑" panose="020B0503020204020204" pitchFamily="34" charset="-122"/>
-            </a:endParaRPr>
-          </a:p>
-        </p:txBody>
-      </p:sp>
-      <p:sp>
-        <p:nvSpPr>
           <p:cNvPr id="100" name="矩形 99"/>
           <p:cNvSpPr/>
           <p:nvPr/>
@@ -8436,13 +8468,13 @@
         </p:nvSpPr>
         <p:spPr>
           <a:xfrm>
-            <a:off x="1860055" y="2961791"/>
-            <a:ext cx="950857" cy="834620"/>
+            <a:off x="2185978" y="3186312"/>
+            <a:ext cx="856059" cy="834620"/>
           </a:xfrm>
           <a:prstGeom prst="wedgeRectCallout">
             <a:avLst>
-              <a:gd name="adj1" fmla="val -14326"/>
-              <a:gd name="adj2" fmla="val -94311"/>
+              <a:gd name="adj1" fmla="val -32723"/>
+              <a:gd name="adj2" fmla="val -90500"/>
             </a:avLst>
           </a:prstGeom>
           <a:solidFill>
@@ -8524,13 +8556,13 @@
         </p:nvSpPr>
         <p:spPr>
           <a:xfrm>
-            <a:off x="2023499" y="4552859"/>
+            <a:off x="1850498" y="5386258"/>
             <a:ext cx="950857" cy="834620"/>
           </a:xfrm>
           <a:prstGeom prst="wedgeRectCallout">
             <a:avLst>
-              <a:gd name="adj1" fmla="val 54459"/>
-              <a:gd name="adj2" fmla="val -91268"/>
+              <a:gd name="adj1" fmla="val 25191"/>
+              <a:gd name="adj2" fmla="val -96031"/>
             </a:avLst>
           </a:prstGeom>
           <a:solidFill>
@@ -8748,7 +8780,7 @@
         </p:nvSpPr>
         <p:spPr>
           <a:xfrm>
-            <a:off x="9661837" y="5580300"/>
+            <a:off x="9471338" y="5606823"/>
             <a:ext cx="2165542" cy="400110"/>
           </a:xfrm>
           <a:prstGeom prst="rect">
@@ -8882,13 +8914,13 @@
         </p:nvSpPr>
         <p:spPr>
           <a:xfrm>
-            <a:off x="8338718" y="532543"/>
-            <a:ext cx="1823740" cy="864212"/>
+            <a:off x="4913906" y="532543"/>
+            <a:ext cx="5248552" cy="864212"/>
           </a:xfrm>
           <a:prstGeom prst="wedgeRectCallout">
             <a:avLst>
-              <a:gd name="adj1" fmla="val -90602"/>
-              <a:gd name="adj2" fmla="val 115254"/>
+              <a:gd name="adj1" fmla="val -399"/>
+              <a:gd name="adj2" fmla="val 125375"/>
             </a:avLst>
           </a:prstGeom>
           <a:solidFill>
@@ -8918,12 +8950,51 @@
           <a:bodyPr rtlCol="0" anchor="ctr"/>
           <a:lstStyle/>
           <a:p>
+            <a:endParaRPr lang="en-US" altLang="zh-CN" sz="1000" dirty="0" smtClean="0">
+              <a:latin typeface="微软雅黑" panose="020B0503020204020204" pitchFamily="34" charset="-122"/>
+              <a:ea typeface="微软雅黑" panose="020B0503020204020204" pitchFamily="34" charset="-122"/>
+            </a:endParaRPr>
+          </a:p>
+          <a:p>
             <a:r>
               <a:rPr lang="zh-CN" altLang="en-US" sz="1000" dirty="0">
                 <a:latin typeface="微软雅黑" panose="020B0503020204020204" pitchFamily="34" charset="-122"/>
                 <a:ea typeface="微软雅黑" panose="020B0503020204020204" pitchFamily="34" charset="-122"/>
               </a:rPr>
-              <a:t>包括块设备 </a:t>
+              <a:t>向上，为文件系统和应用程序，提供访问块设备的标准接口；向下，把各种异构的磁盘设备抽象为统一的块设备，并提供统一框架来管理这些设备的驱动程序</a:t>
+            </a:r>
+            <a:r>
+              <a:rPr lang="zh-CN" altLang="en-US" sz="1000" dirty="0" smtClean="0">
+                <a:latin typeface="微软雅黑" panose="020B0503020204020204" pitchFamily="34" charset="-122"/>
+                <a:ea typeface="微软雅黑" panose="020B0503020204020204" pitchFamily="34" charset="-122"/>
+              </a:rPr>
+              <a:t>。</a:t>
+            </a:r>
+            <a:endParaRPr lang="en-US" altLang="zh-CN" sz="1000" dirty="0" smtClean="0">
+              <a:latin typeface="微软雅黑" panose="020B0503020204020204" pitchFamily="34" charset="-122"/>
+              <a:ea typeface="微软雅黑" panose="020B0503020204020204" pitchFamily="34" charset="-122"/>
+            </a:endParaRPr>
+          </a:p>
+          <a:p>
+            <a:endParaRPr lang="en-US" altLang="zh-CN" sz="1000" dirty="0">
+              <a:latin typeface="微软雅黑" panose="020B0503020204020204" pitchFamily="34" charset="-122"/>
+              <a:ea typeface="微软雅黑" panose="020B0503020204020204" pitchFamily="34" charset="-122"/>
+            </a:endParaRPr>
+          </a:p>
+          <a:p>
+            <a:r>
+              <a:rPr lang="zh-CN" altLang="en-US" sz="1000" dirty="0" smtClean="0">
+                <a:latin typeface="微软雅黑" panose="020B0503020204020204" pitchFamily="34" charset="-122"/>
+                <a:ea typeface="微软雅黑" panose="020B0503020204020204" pitchFamily="34" charset="-122"/>
+              </a:rPr>
+              <a:t>包括</a:t>
+            </a:r>
+            <a:r>
+              <a:rPr lang="zh-CN" altLang="en-US" sz="1000" dirty="0">
+                <a:latin typeface="微软雅黑" panose="020B0503020204020204" pitchFamily="34" charset="-122"/>
+                <a:ea typeface="微软雅黑" panose="020B0503020204020204" pitchFamily="34" charset="-122"/>
+              </a:rPr>
+              <a:t>块设备 </a:t>
             </a:r>
             <a:r>
               <a:rPr lang="en-US" altLang="zh-CN" sz="1000" dirty="0">
@@ -8965,8 +9036,179 @@
                 <a:latin typeface="微软雅黑" panose="020B0503020204020204" pitchFamily="34" charset="-122"/>
                 <a:ea typeface="微软雅黑" panose="020B0503020204020204" pitchFamily="34" charset="-122"/>
               </a:rPr>
-              <a:t>请求进行排队，再通过重新排序和请求合并，然后才要发送给下一级的设备层。</a:t>
-            </a:r>
+              <a:t>请求进行排队，再通过重新排序和请求合并，然后才要发送给下一级的设备层</a:t>
+            </a:r>
+            <a:r>
+              <a:rPr lang="zh-CN" altLang="en-US" sz="1000" dirty="0" smtClean="0">
+                <a:latin typeface="微软雅黑" panose="020B0503020204020204" pitchFamily="34" charset="-122"/>
+                <a:ea typeface="微软雅黑" panose="020B0503020204020204" pitchFamily="34" charset="-122"/>
+              </a:rPr>
+              <a:t>。</a:t>
+            </a:r>
+            <a:r>
+              <a:rPr lang="zh-CN" altLang="en-US" sz="1000" dirty="0">
+                <a:latin typeface="微软雅黑" panose="020B0503020204020204" pitchFamily="34" charset="-122"/>
+                <a:ea typeface="微软雅黑" panose="020B0503020204020204" pitchFamily="34" charset="-122"/>
+              </a:rPr>
+              <a:t>提高磁盘读写</a:t>
+            </a:r>
+            <a:r>
+              <a:rPr lang="zh-CN" altLang="en-US" sz="1000" dirty="0" smtClean="0">
+                <a:latin typeface="微软雅黑" panose="020B0503020204020204" pitchFamily="34" charset="-122"/>
+                <a:ea typeface="微软雅黑" panose="020B0503020204020204" pitchFamily="34" charset="-122"/>
+              </a:rPr>
+              <a:t>效率。</a:t>
+            </a:r>
+            <a:endParaRPr lang="zh-CN" altLang="en-US" sz="1000" dirty="0">
+              <a:latin typeface="微软雅黑" panose="020B0503020204020204" pitchFamily="34" charset="-122"/>
+              <a:ea typeface="微软雅黑" panose="020B0503020204020204" pitchFamily="34" charset="-122"/>
+            </a:endParaRPr>
+          </a:p>
+        </p:txBody>
+      </p:sp>
+      <p:cxnSp>
+        <p:nvCxnSpPr>
+          <p:cNvPr id="6" name="直接箭头连接符 5"/>
+          <p:cNvCxnSpPr/>
+          <p:nvPr/>
+        </p:nvCxnSpPr>
+        <p:spPr>
+          <a:xfrm>
+            <a:off x="1563099" y="4977517"/>
+            <a:ext cx="1535212" cy="23853"/>
+          </a:xfrm>
+          <a:prstGeom prst="straightConnector1">
+            <a:avLst/>
+          </a:prstGeom>
+          <a:ln>
+            <a:solidFill>
+              <a:srgbClr val="FFFF00"/>
+            </a:solidFill>
+            <a:tailEnd type="triangle"/>
+          </a:ln>
+        </p:spPr>
+        <p:style>
+          <a:lnRef idx="1">
+            <a:schemeClr val="accent1"/>
+          </a:lnRef>
+          <a:fillRef idx="0">
+            <a:schemeClr val="accent1"/>
+          </a:fillRef>
+          <a:effectRef idx="0">
+            <a:schemeClr val="accent1"/>
+          </a:effectRef>
+          <a:fontRef idx="minor">
+            <a:schemeClr val="tx1"/>
+          </a:fontRef>
+        </p:style>
+      </p:cxnSp>
+      <p:cxnSp>
+        <p:nvCxnSpPr>
+          <p:cNvPr id="11" name="肘形连接符 10"/>
+          <p:cNvCxnSpPr>
+            <a:stCxn id="100" idx="3"/>
+            <a:endCxn id="101" idx="2"/>
+          </p:cNvCxnSpPr>
+          <p:nvPr/>
+        </p:nvCxnSpPr>
+        <p:spPr>
+          <a:xfrm flipV="1">
+            <a:off x="1563099" y="2549523"/>
+            <a:ext cx="610175" cy="1494196"/>
+          </a:xfrm>
+          <a:prstGeom prst="bentConnector2">
+            <a:avLst/>
+          </a:prstGeom>
+          <a:ln>
+            <a:solidFill>
+              <a:srgbClr val="FFFF00"/>
+            </a:solidFill>
+            <a:tailEnd type="triangle"/>
+          </a:ln>
+        </p:spPr>
+        <p:style>
+          <a:lnRef idx="1">
+            <a:schemeClr val="accent1"/>
+          </a:lnRef>
+          <a:fillRef idx="0">
+            <a:schemeClr val="accent1"/>
+          </a:fillRef>
+          <a:effectRef idx="0">
+            <a:schemeClr val="accent1"/>
+          </a:effectRef>
+          <a:fontRef idx="minor">
+            <a:schemeClr val="tx1"/>
+          </a:fontRef>
+        </p:style>
+      </p:cxnSp>
+      <p:sp>
+        <p:nvSpPr>
+          <p:cNvPr id="16" name="矩形 15"/>
+          <p:cNvSpPr/>
+          <p:nvPr/>
+        </p:nvSpPr>
+        <p:spPr>
+          <a:xfrm>
+            <a:off x="3275160" y="2937660"/>
+            <a:ext cx="1902021" cy="1508105"/>
+          </a:xfrm>
+          <a:prstGeom prst="rect">
+            <a:avLst/>
+          </a:prstGeom>
+        </p:spPr>
+        <p:txBody>
+          <a:bodyPr wrap="square">
+            <a:spAutoFit/>
+          </a:bodyPr>
+          <a:lstStyle/>
+          <a:p>
+            <a:pPr algn="ctr"/>
+            <a:r>
+              <a:rPr lang="zh-CN" altLang="en-US" sz="2000" dirty="0">
+                <a:latin typeface="微软雅黑" panose="020B0503020204020204" pitchFamily="34" charset="-122"/>
+                <a:ea typeface="微软雅黑" panose="020B0503020204020204" pitchFamily="34" charset="-122"/>
+              </a:rPr>
+              <a:t>虚拟文件系统（</a:t>
+            </a:r>
+            <a:r>
+              <a:rPr lang="en-US" altLang="zh-CN" sz="2000" dirty="0">
+                <a:latin typeface="微软雅黑" panose="020B0503020204020204" pitchFamily="34" charset="-122"/>
+                <a:ea typeface="微软雅黑" panose="020B0503020204020204" pitchFamily="34" charset="-122"/>
+              </a:rPr>
+              <a:t>VFS</a:t>
+            </a:r>
+            <a:r>
+              <a:rPr lang="zh-CN" altLang="en-US" sz="2000" dirty="0">
+                <a:latin typeface="微软雅黑" panose="020B0503020204020204" pitchFamily="34" charset="-122"/>
+                <a:ea typeface="微软雅黑" panose="020B0503020204020204" pitchFamily="34" charset="-122"/>
+              </a:rPr>
+              <a:t>）</a:t>
+            </a:r>
+            <a:endParaRPr lang="en-US" altLang="zh-CN" sz="2000" dirty="0">
+              <a:latin typeface="微软雅黑" panose="020B0503020204020204" pitchFamily="34" charset="-122"/>
+              <a:ea typeface="微软雅黑" panose="020B0503020204020204" pitchFamily="34" charset="-122"/>
+            </a:endParaRPr>
+          </a:p>
+          <a:p>
+            <a:pPr algn="ctr"/>
+            <a:endParaRPr lang="en-US" altLang="zh-CN" sz="3600" dirty="0">
+              <a:latin typeface="微软雅黑" panose="020B0503020204020204" pitchFamily="34" charset="-122"/>
+              <a:ea typeface="微软雅黑" panose="020B0503020204020204" pitchFamily="34" charset="-122"/>
+            </a:endParaRPr>
+          </a:p>
+          <a:p>
+            <a:pPr algn="ctr"/>
+            <a:r>
+              <a:rPr lang="zh-CN" altLang="en-US" sz="800" dirty="0">
+                <a:latin typeface="微软雅黑" panose="020B0503020204020204" pitchFamily="34" charset="-122"/>
+                <a:ea typeface="微软雅黑" panose="020B0503020204020204" pitchFamily="34" charset="-122"/>
+              </a:rPr>
+              <a:t>为应用程序提供统一的接口，屏蔽各种文件系统的细节和不同。</a:t>
+            </a:r>
+            <a:endParaRPr lang="en-US" altLang="zh-CN" sz="800" dirty="0">
+              <a:latin typeface="微软雅黑" panose="020B0503020204020204" pitchFamily="34" charset="-122"/>
+              <a:ea typeface="微软雅黑" panose="020B0503020204020204" pitchFamily="34" charset="-122"/>
+            </a:endParaRPr>
           </a:p>
         </p:txBody>
       </p:sp>
@@ -15592,7 +15834,21 @@
                 <a:latin typeface="微软雅黑" panose="020B0503020204020204" pitchFamily="34" charset="-122"/>
                 <a:ea typeface="微软雅黑" panose="020B0503020204020204" pitchFamily="34" charset="-122"/>
               </a:rPr>
-              <a:t>每秒的写数据为 </a:t>
+              <a:t>每秒</a:t>
+            </a:r>
+            <a:r>
+              <a:rPr lang="zh-CN" altLang="en-US" sz="1000" dirty="0" smtClean="0">
+                <a:latin typeface="微软雅黑" panose="020B0503020204020204" pitchFamily="34" charset="-122"/>
+                <a:ea typeface="微软雅黑" panose="020B0503020204020204" pitchFamily="34" charset="-122"/>
+              </a:rPr>
+              <a:t>的读数</a:t>
+            </a:r>
+            <a:r>
+              <a:rPr lang="zh-CN" altLang="en-US" sz="1000" dirty="0">
+                <a:latin typeface="微软雅黑" panose="020B0503020204020204" pitchFamily="34" charset="-122"/>
+                <a:ea typeface="微软雅黑" panose="020B0503020204020204" pitchFamily="34" charset="-122"/>
+              </a:rPr>
+              <a:t>据为 </a:t>
             </a:r>
             <a:r>
               <a:rPr lang="en-US" altLang="zh-CN" sz="1000" dirty="0">
@@ -16995,11 +17251,11 @@
           <a:lstStyle/>
           <a:p>
             <a:r>
-              <a:rPr lang="zh-CN" altLang="en-US" sz="1000" dirty="0">
-                <a:latin typeface="微软雅黑" panose="020B0503020204020204" pitchFamily="34" charset="-122"/>
-                <a:ea typeface="微软雅黑" panose="020B0503020204020204" pitchFamily="34" charset="-122"/>
-              </a:rPr>
-              <a:t>程 </a:t>
+              <a:rPr lang="zh-CN" altLang="en-US" sz="1000" dirty="0" smtClean="0">
+                <a:latin typeface="微软雅黑" panose="020B0503020204020204" pitchFamily="34" charset="-122"/>
+                <a:ea typeface="微软雅黑" panose="020B0503020204020204" pitchFamily="34" charset="-122"/>
+              </a:rPr>
+              <a:t>线程 </a:t>
             </a:r>
             <a:r>
               <a:rPr lang="en-US" altLang="zh-CN" sz="1000" dirty="0">
